--- a/Lab 5/Lab 5 bài giảng.pptx
+++ b/Lab 5/Lab 5 bài giảng.pptx
@@ -4787,7 +4787,15 @@
             </a:pPr>
             <a:r>
               <a:rPr lang="vi-VN" altLang="en-US" dirty="0"/>
-              <a:t>Phương thức str.join() được sử dụng để nối một danh sách các chuỗi thành một chuỗi duy nhất. Phương thức này thực hiện nối các chuỗi trong danh sách bằng một chuỗi ngăn cách, được gọi là chuỗi "ngăn cách". Dưới đây là cú pháp của phương thức str.join() để nối chuỗi:</a:t>
+              <a:t>Phương thức str.join() được sử dụng để nối một </a:t>
+            </a:r>
+            <a:r>
+              <a:rPr lang="vi-VN" altLang="en-US" b="1" dirty="0"/>
+              <a:t>danh sách </a:t>
+            </a:r>
+            <a:r>
+              <a:rPr lang="vi-VN" altLang="en-US" dirty="0"/>
+              <a:t>các chuỗi thành một chuỗi duy nhất. Phương thức này thực hiện nối các chuỗi trong danh sách bằng một chuỗi ngăn cách, được gọi là chuỗi "ngăn cách". Dưới đây là cú pháp của phương thức str.join() để nối chuỗi:</a:t>
             </a:r>
             <a:endParaRPr lang="en-US" altLang="en-US" dirty="0"/>
           </a:p>
@@ -15226,7 +15234,7 @@
                 <a:latin typeface="Arial" panose="020B0604020202020204" pitchFamily="34" charset="0"/>
                 <a:cs typeface="Arial" panose="020B0604020202020204" pitchFamily="34" charset="0"/>
               </a:rPr>
-              <a:t>2.5</a:t>
+              <a:t>5.5</a:t>
             </a:r>
           </a:p>
         </p:txBody>
@@ -21944,7 +21952,7 @@
             </a:r>
             <a:r>
               <a:rPr lang="en-US" dirty="0" err="1"/>
-              <a:t>hau</a:t>
+              <a:t>hai</a:t>
             </a:r>
             <a:r>
               <a:rPr lang="en-US" dirty="0"/>
@@ -22060,7 +22068,71 @@
               </a:rPr>
               <a:t>lại</a:t>
             </a:r>
-            <a:endParaRPr lang="en-US" dirty="0"/>
+            <a:endParaRPr lang="en-US" altLang="en-US" dirty="0">
+              <a:ea typeface="Arial" charset="0"/>
+            </a:endParaRPr>
+          </a:p>
+          <a:p>
+            <a:pPr marL="0" indent="0">
+              <a:buNone/>
+            </a:pPr>
+            <a:r>
+              <a:rPr lang="en-US" altLang="en-US" dirty="0">
+                <a:ea typeface="Arial" charset="0"/>
+              </a:rPr>
+              <a:t>Input:</a:t>
+            </a:r>
+          </a:p>
+          <a:p>
+            <a:pPr marL="0" indent="0">
+              <a:buNone/>
+            </a:pPr>
+            <a:r>
+              <a:rPr lang="en-US" dirty="0"/>
+              <a:t>Str1 = “</a:t>
+            </a:r>
+            <a:r>
+              <a:rPr lang="en-US" dirty="0" err="1"/>
+              <a:t>abc</a:t>
+            </a:r>
+            <a:r>
+              <a:rPr lang="en-US" dirty="0"/>
+              <a:t>”</a:t>
+            </a:r>
+          </a:p>
+          <a:p>
+            <a:pPr marL="0" indent="0">
+              <a:buNone/>
+            </a:pPr>
+            <a:r>
+              <a:rPr lang="en-US" dirty="0"/>
+              <a:t>Str2 = “</a:t>
+            </a:r>
+            <a:r>
+              <a:rPr lang="en-US" dirty="0" err="1"/>
+              <a:t>cde</a:t>
+            </a:r>
+            <a:r>
+              <a:rPr lang="en-US" dirty="0"/>
+              <a:t>”</a:t>
+            </a:r>
+          </a:p>
+          <a:p>
+            <a:pPr marL="0" indent="0">
+              <a:buNone/>
+            </a:pPr>
+            <a:r>
+              <a:rPr lang="en-US" dirty="0"/>
+              <a:t>Output: “</a:t>
+            </a:r>
+            <a:r>
+              <a:rPr lang="en-US" dirty="0" err="1"/>
+              <a:t>acbdce</a:t>
+            </a:r>
+            <a:r>
+              <a:rPr lang="en-US" dirty="0"/>
+              <a:t>”</a:t>
+            </a:r>
           </a:p>
         </p:txBody>
       </p:sp>
@@ -26517,7 +26589,43 @@
               <a:rPr lang="en-US" altLang="en-US" dirty="0">
                 <a:ea typeface="Arial" charset="0"/>
               </a:rPr>
-              <a:t>”</a:t>
+              <a:t>” </a:t>
+            </a:r>
+            <a:r>
+              <a:rPr lang="en-US" altLang="en-US" dirty="0" err="1">
+                <a:ea typeface="Arial" charset="0"/>
+              </a:rPr>
+              <a:t>hoặc</a:t>
+            </a:r>
+            <a:r>
+              <a:rPr lang="en-US" altLang="en-US" dirty="0">
+                <a:ea typeface="Arial" charset="0"/>
+              </a:rPr>
+              <a:t> “</a:t>
+            </a:r>
+            <a:r>
+              <a:rPr lang="en-US" altLang="en-US" dirty="0" err="1">
+                <a:ea typeface="Arial" charset="0"/>
+              </a:rPr>
+              <a:t>aaa</a:t>
+            </a:r>
+            <a:r>
+              <a:rPr lang="en-US" altLang="en-US" dirty="0">
+                <a:ea typeface="Arial" charset="0"/>
+              </a:rPr>
+              <a:t>” </a:t>
+            </a:r>
+            <a:r>
+              <a:rPr lang="en-US" altLang="en-US" dirty="0" err="1">
+                <a:ea typeface="Arial" charset="0"/>
+              </a:rPr>
+              <a:t>hoặc</a:t>
+            </a:r>
+            <a:r>
+              <a:rPr lang="en-US" altLang="en-US" dirty="0">
+                <a:ea typeface="Arial" charset="0"/>
+              </a:rPr>
+              <a:t> “ccc”</a:t>
             </a:r>
           </a:p>
         </p:txBody>
@@ -30975,7 +31083,15 @@
             </a:r>
             <a:r>
               <a:rPr lang="vi-VN" altLang="en-US" dirty="0"/>
-              <a:t>end là chỉ mục kết thúc của phần chuỗi bạn muốn truy cập. Nó không được bao gồm trong phạm vi.</a:t>
+              <a:t>end là chỉ mục kết thúc của phần chuỗi bạn muốn truy cập. Nó </a:t>
+            </a:r>
+            <a:r>
+              <a:rPr lang="vi-VN" altLang="en-US" b="1" dirty="0"/>
+              <a:t>không được bao gồm </a:t>
+            </a:r>
+            <a:r>
+              <a:rPr lang="vi-VN" altLang="en-US" dirty="0"/>
+              <a:t>trong phạm vi.</a:t>
             </a:r>
           </a:p>
           <a:p>
@@ -31486,7 +31602,23 @@
           <a:p>
             <a:r>
               <a:rPr lang="vi-VN" altLang="en-US" dirty="0"/>
-              <a:t>Trong Python, để biết chiều dài của một chuỗi (độ dài của chuỗi), bạn có thể sử dụng hàm len(). Hàm len() trả về số lượng phần tử trong chuỗi.</a:t>
+              <a:t>Trong Python, để biết chiều dài của một chuỗi (độ dài của chuỗi), bạn có thể sử dụng hàm </a:t>
+            </a:r>
+            <a:r>
+              <a:rPr lang="vi-VN" altLang="en-US" b="1" dirty="0"/>
+              <a:t>len()</a:t>
+            </a:r>
+            <a:r>
+              <a:rPr lang="vi-VN" altLang="en-US" dirty="0"/>
+              <a:t>. Hàm len() trả về </a:t>
+            </a:r>
+            <a:r>
+              <a:rPr lang="vi-VN" altLang="en-US" b="1" dirty="0"/>
+              <a:t>số lượng </a:t>
+            </a:r>
+            <a:r>
+              <a:rPr lang="vi-VN" altLang="en-US" dirty="0"/>
+              <a:t>phần tử trong chuỗi.</a:t>
             </a:r>
             <a:endParaRPr lang="en-US" altLang="en-US" dirty="0"/>
           </a:p>
@@ -32938,7 +33070,15 @@
             </a:r>
             <a:r>
               <a:rPr lang="vi-VN" altLang="en-US" dirty="0"/>
-              <a:t>Tách chuỗi thành danh sách các phần tử dựa trên ký tự phân cách được chỉ định. Kết quả trả về là một danh sách.</a:t>
+              <a:t>Tách chuỗi thành </a:t>
+            </a:r>
+            <a:r>
+              <a:rPr lang="vi-VN" altLang="en-US" b="1" dirty="0"/>
+              <a:t>danh sách các phần tử </a:t>
+            </a:r>
+            <a:r>
+              <a:rPr lang="vi-VN" altLang="en-US" dirty="0"/>
+              <a:t>dựa trên ký tự phân cách được chỉ định. Kết quả trả về là một danh sách.</a:t>
             </a:r>
             <a:endParaRPr lang="en-US" altLang="en-US" dirty="0"/>
           </a:p>
@@ -32984,19 +33124,19 @@
               <a:t> </a:t>
             </a:r>
             <a:r>
-              <a:rPr lang="en-US" altLang="en-US" dirty="0" err="1"/>
+              <a:rPr lang="en-US" altLang="en-US" b="1" dirty="0" err="1"/>
               <a:t>tất</a:t>
             </a:r>
             <a:r>
-              <a:rPr lang="en-US" altLang="en-US" dirty="0"/>
-              <a:t> </a:t>
-            </a:r>
-            <a:r>
-              <a:rPr lang="en-US" altLang="en-US" dirty="0" err="1"/>
+              <a:rPr lang="en-US" altLang="en-US" b="1" dirty="0"/>
+              <a:t> </a:t>
+            </a:r>
+            <a:r>
+              <a:rPr lang="en-US" altLang="en-US" b="1" dirty="0" err="1"/>
               <a:t>cả</a:t>
             </a:r>
             <a:r>
-              <a:rPr lang="en-US" altLang="en-US" dirty="0"/>
+              <a:rPr lang="en-US" altLang="en-US" b="1" dirty="0"/>
               <a:t> </a:t>
             </a:r>
             <a:r>
@@ -33305,7 +33445,27 @@
             </a:r>
             <a:r>
               <a:rPr lang="vi-VN" altLang="en-US" dirty="0"/>
-              <a:t>được sử dụng để tìm kiếm vị trí xuất hiện cuối cùng của một chuỗi con (substring) trong chuỗi gốc. </a:t>
+              <a:t>được sử dụng để tìm kiếm vị trí xuất hiện </a:t>
+            </a:r>
+            <a:r>
+              <a:rPr lang="en-US" altLang="en-US" dirty="0" err="1"/>
+              <a:t>đầu</a:t>
+            </a:r>
+            <a:r>
+              <a:rPr lang="en-US" altLang="en-US" dirty="0"/>
+              <a:t> </a:t>
+            </a:r>
+            <a:r>
+              <a:rPr lang="en-US" altLang="en-US" dirty="0" err="1"/>
+              <a:t>tiên</a:t>
+            </a:r>
+            <a:r>
+              <a:rPr lang="en-US" altLang="en-US" dirty="0"/>
+              <a:t> </a:t>
+            </a:r>
+            <a:r>
+              <a:rPr lang="vi-VN" altLang="en-US" dirty="0"/>
+              <a:t>của một chuỗi con (substring) trong chuỗi gốc. </a:t>
             </a:r>
             <a:endParaRPr lang="en-US" altLang="en-US" dirty="0"/>
           </a:p>
@@ -33794,7 +33954,15 @@
             </a:r>
             <a:r>
               <a:rPr lang="en-US" altLang="en-US" b="1" dirty="0"/>
-              <a:t>(): </a:t>
+              <a:t>()/</a:t>
+            </a:r>
+            <a:r>
+              <a:rPr lang="en-US" altLang="en-US" b="1" dirty="0" err="1"/>
+              <a:t>chuỗi.isnumeric</a:t>
+            </a:r>
+            <a:r>
+              <a:rPr lang="en-US" altLang="en-US" b="1" dirty="0"/>
+              <a:t>: </a:t>
             </a:r>
             <a:r>
               <a:rPr lang="en-US" altLang="en-US" dirty="0" err="1"/>
